--- a/slides/ML - Module 5 - Clustering Algorithms and Dimensionality Reduction.pptx
+++ b/slides/ML - Module 5 - Clustering Algorithms and Dimensionality Reduction.pptx
@@ -21,8 +21,7 @@
     <p:sldId id="276" r:id="rId15"/>
     <p:sldId id="277" r:id="rId16"/>
     <p:sldId id="278" r:id="rId17"/>
-    <p:sldId id="279" r:id="rId18"/>
-    <p:sldId id="280" r:id="rId19"/>
+    <p:sldId id="280" r:id="rId18"/>
   </p:sldIdLst>
   <p:sldSz cx="12192000" cy="6858000"/>
   <p:notesSz cx="6858000" cy="9144000"/>
@@ -278,7 +277,7 @@
           <a:p>
             <a:fld id="{1E72A6B1-85D5-4955-A616-DF87C3C0F9B2}" type="datetimeFigureOut">
               <a:rPr lang="en-GB" smtClean="0"/>
-              <a:t>26/01/2026</a:t>
+              <a:t>01/02/2026</a:t>
             </a:fld>
             <a:endParaRPr lang="en-GB"/>
           </a:p>
@@ -478,7 +477,7 @@
           <a:p>
             <a:fld id="{1E72A6B1-85D5-4955-A616-DF87C3C0F9B2}" type="datetimeFigureOut">
               <a:rPr lang="en-GB" smtClean="0"/>
-              <a:t>26/01/2026</a:t>
+              <a:t>01/02/2026</a:t>
             </a:fld>
             <a:endParaRPr lang="en-GB"/>
           </a:p>
@@ -688,7 +687,7 @@
           <a:p>
             <a:fld id="{1E72A6B1-85D5-4955-A616-DF87C3C0F9B2}" type="datetimeFigureOut">
               <a:rPr lang="en-GB" smtClean="0"/>
-              <a:t>26/01/2026</a:t>
+              <a:t>01/02/2026</a:t>
             </a:fld>
             <a:endParaRPr lang="en-GB"/>
           </a:p>
@@ -888,7 +887,7 @@
           <a:p>
             <a:fld id="{1E72A6B1-85D5-4955-A616-DF87C3C0F9B2}" type="datetimeFigureOut">
               <a:rPr lang="en-GB" smtClean="0"/>
-              <a:t>26/01/2026</a:t>
+              <a:t>01/02/2026</a:t>
             </a:fld>
             <a:endParaRPr lang="en-GB"/>
           </a:p>
@@ -1164,7 +1163,7 @@
           <a:p>
             <a:fld id="{1E72A6B1-85D5-4955-A616-DF87C3C0F9B2}" type="datetimeFigureOut">
               <a:rPr lang="en-GB" smtClean="0"/>
-              <a:t>26/01/2026</a:t>
+              <a:t>01/02/2026</a:t>
             </a:fld>
             <a:endParaRPr lang="en-GB"/>
           </a:p>
@@ -1432,7 +1431,7 @@
           <a:p>
             <a:fld id="{1E72A6B1-85D5-4955-A616-DF87C3C0F9B2}" type="datetimeFigureOut">
               <a:rPr lang="en-GB" smtClean="0"/>
-              <a:t>26/01/2026</a:t>
+              <a:t>01/02/2026</a:t>
             </a:fld>
             <a:endParaRPr lang="en-GB"/>
           </a:p>
@@ -1847,7 +1846,7 @@
           <a:p>
             <a:fld id="{1E72A6B1-85D5-4955-A616-DF87C3C0F9B2}" type="datetimeFigureOut">
               <a:rPr lang="en-GB" smtClean="0"/>
-              <a:t>26/01/2026</a:t>
+              <a:t>01/02/2026</a:t>
             </a:fld>
             <a:endParaRPr lang="en-GB"/>
           </a:p>
@@ -1989,7 +1988,7 @@
           <a:p>
             <a:fld id="{1E72A6B1-85D5-4955-A616-DF87C3C0F9B2}" type="datetimeFigureOut">
               <a:rPr lang="en-GB" smtClean="0"/>
-              <a:t>26/01/2026</a:t>
+              <a:t>01/02/2026</a:t>
             </a:fld>
             <a:endParaRPr lang="en-GB"/>
           </a:p>
@@ -2102,7 +2101,7 @@
           <a:p>
             <a:fld id="{1E72A6B1-85D5-4955-A616-DF87C3C0F9B2}" type="datetimeFigureOut">
               <a:rPr lang="en-GB" smtClean="0"/>
-              <a:t>26/01/2026</a:t>
+              <a:t>01/02/2026</a:t>
             </a:fld>
             <a:endParaRPr lang="en-GB"/>
           </a:p>
@@ -2415,7 +2414,7 @@
           <a:p>
             <a:fld id="{1E72A6B1-85D5-4955-A616-DF87C3C0F9B2}" type="datetimeFigureOut">
               <a:rPr lang="en-GB" smtClean="0"/>
-              <a:t>26/01/2026</a:t>
+              <a:t>01/02/2026</a:t>
             </a:fld>
             <a:endParaRPr lang="en-GB"/>
           </a:p>
@@ -2704,7 +2703,7 @@
           <a:p>
             <a:fld id="{1E72A6B1-85D5-4955-A616-DF87C3C0F9B2}" type="datetimeFigureOut">
               <a:rPr lang="en-GB" smtClean="0"/>
-              <a:t>26/01/2026</a:t>
+              <a:t>01/02/2026</a:t>
             </a:fld>
             <a:endParaRPr lang="en-GB"/>
           </a:p>
@@ -2947,7 +2946,7 @@
           <a:p>
             <a:fld id="{1E72A6B1-85D5-4955-A616-DF87C3C0F9B2}" type="datetimeFigureOut">
               <a:rPr lang="en-GB" smtClean="0"/>
-              <a:t>26/01/2026</a:t>
+              <a:t>01/02/2026</a:t>
             </a:fld>
             <a:endParaRPr lang="en-GB"/>
           </a:p>
@@ -5882,8 +5881,8 @@
           </a:prstGeom>
         </p:spPr>
       </p:pic>
-      <mc:AlternateContent xmlns:mc="http://schemas.openxmlformats.org/markup-compatibility/2006">
-        <mc:Choice xmlns:a14="http://schemas.microsoft.com/office/drawing/2010/main" Requires="a14">
+      <mc:AlternateContent xmlns:mc="http://schemas.openxmlformats.org/markup-compatibility/2006" xmlns:a14="http://schemas.microsoft.com/office/drawing/2010/main">
+        <mc:Choice Requires="a14">
           <p:sp>
             <p:nvSpPr>
               <p:cNvPr id="14" name="TextBox 13">
@@ -6207,7 +6206,7 @@
             </p:txBody>
           </p:sp>
         </mc:Choice>
-        <mc:Fallback>
+        <mc:Fallback xmlns="">
           <p:sp>
             <p:nvSpPr>
               <p:cNvPr id="14" name="TextBox 13">
@@ -6252,8 +6251,8 @@
           </p:sp>
         </mc:Fallback>
       </mc:AlternateContent>
-      <mc:AlternateContent xmlns:mc="http://schemas.openxmlformats.org/markup-compatibility/2006">
-        <mc:Choice xmlns:a14="http://schemas.microsoft.com/office/drawing/2010/main" Requires="a14">
+      <mc:AlternateContent xmlns:mc="http://schemas.openxmlformats.org/markup-compatibility/2006" xmlns:a14="http://schemas.microsoft.com/office/drawing/2010/main">
+        <mc:Choice Requires="a14">
           <p:sp>
             <p:nvSpPr>
               <p:cNvPr id="15" name="TextBox 14">
@@ -6577,7 +6576,7 @@
             </p:txBody>
           </p:sp>
         </mc:Choice>
-        <mc:Fallback>
+        <mc:Fallback xmlns="">
           <p:sp>
             <p:nvSpPr>
               <p:cNvPr id="15" name="TextBox 14">
@@ -6622,8 +6621,8 @@
           </p:sp>
         </mc:Fallback>
       </mc:AlternateContent>
-      <mc:AlternateContent xmlns:mc="http://schemas.openxmlformats.org/markup-compatibility/2006">
-        <mc:Choice xmlns:a14="http://schemas.microsoft.com/office/drawing/2010/main" Requires="a14">
+      <mc:AlternateContent xmlns:mc="http://schemas.openxmlformats.org/markup-compatibility/2006" xmlns:a14="http://schemas.microsoft.com/office/drawing/2010/main">
+        <mc:Choice Requires="a14">
           <p:sp>
             <p:nvSpPr>
               <p:cNvPr id="16" name="TextBox 15">
@@ -6947,7 +6946,7 @@
             </p:txBody>
           </p:sp>
         </mc:Choice>
-        <mc:Fallback>
+        <mc:Fallback xmlns="">
           <p:sp>
             <p:nvSpPr>
               <p:cNvPr id="16" name="TextBox 15">
@@ -10650,7 +10649,14 @@
           <a:p>
             <a:r>
               <a:rPr lang="en-IN" dirty="0"/>
-              <a:t>Dimensionality Reduction</a:t>
+              <a:t>Dimensionality </a:t>
+            </a:r>
+            <a:br>
+              <a:rPr lang="en-IN" dirty="0"/>
+            </a:br>
+            <a:r>
+              <a:rPr lang="en-IN" dirty="0"/>
+              <a:t>Reduction</a:t>
             </a:r>
             <a:endParaRPr lang="en-GB" dirty="0"/>
           </a:p>
@@ -10776,6 +10782,871 @@
           </a:p>
         </p:txBody>
       </p:sp>
+      <p:graphicFrame>
+        <p:nvGraphicFramePr>
+          <p:cNvPr id="4" name="Table 3">
+            <a:extLst>
+              <a:ext uri="{FF2B5EF4-FFF2-40B4-BE49-F238E27FC236}">
+                <a16:creationId xmlns:a16="http://schemas.microsoft.com/office/drawing/2014/main" id="{DD5CE045-E33D-58F5-4904-F5CF87D1FFE5}"/>
+              </a:ext>
+            </a:extLst>
+          </p:cNvPr>
+          <p:cNvGraphicFramePr>
+            <a:graphicFrameLocks noGrp="1"/>
+          </p:cNvGraphicFramePr>
+          <p:nvPr>
+            <p:extLst>
+              <p:ext uri="{D42A27DB-BD31-4B8C-83A1-F6EECF244321}">
+                <p14:modId xmlns:p14="http://schemas.microsoft.com/office/powerpoint/2010/main" val="1824470617"/>
+              </p:ext>
+            </p:extLst>
+          </p:nvPr>
+        </p:nvGraphicFramePr>
+        <p:xfrm>
+          <a:off x="4632495" y="230188"/>
+          <a:ext cx="6721305" cy="1277049"/>
+        </p:xfrm>
+        <a:graphic>
+          <a:graphicData uri="http://schemas.openxmlformats.org/drawingml/2006/table">
+            <a:tbl>
+              <a:tblPr firstRow="1">
+                <a:tableStyleId>{72833802-FEF1-4C79-8D5D-14CF1EAF98D9}</a:tableStyleId>
+              </a:tblPr>
+              <a:tblGrid>
+                <a:gridCol w="746295">
+                  <a:extLst>
+                    <a:ext uri="{9D8B030D-6E8A-4147-A177-3AD203B41FA5}">
+                      <a16:colId xmlns:a16="http://schemas.microsoft.com/office/drawing/2014/main" val="110429805"/>
+                    </a:ext>
+                  </a:extLst>
+                </a:gridCol>
+                <a:gridCol w="3071267">
+                  <a:extLst>
+                    <a:ext uri="{9D8B030D-6E8A-4147-A177-3AD203B41FA5}">
+                      <a16:colId xmlns:a16="http://schemas.microsoft.com/office/drawing/2014/main" val="174960662"/>
+                    </a:ext>
+                  </a:extLst>
+                </a:gridCol>
+                <a:gridCol w="2903743">
+                  <a:extLst>
+                    <a:ext uri="{9D8B030D-6E8A-4147-A177-3AD203B41FA5}">
+                      <a16:colId xmlns:a16="http://schemas.microsoft.com/office/drawing/2014/main" val="1704316243"/>
+                    </a:ext>
+                  </a:extLst>
+                </a:gridCol>
+              </a:tblGrid>
+              <a:tr h="192035">
+                <a:tc>
+                  <a:txBody>
+                    <a:bodyPr/>
+                    <a:lstStyle/>
+                    <a:p>
+                      <a:pPr rtl="0">
+                        <a:buNone/>
+                      </a:pPr>
+                      <a:r>
+                        <a:rPr lang="en-GB" sz="1400" b="1">
+                          <a:solidFill>
+                            <a:srgbClr val="1F1F1F"/>
+                          </a:solidFill>
+                          <a:effectLst/>
+                        </a:rPr>
+                        <a:t>Tool</a:t>
+                      </a:r>
+                      <a:endParaRPr lang="en-GB" sz="1400">
+                        <a:solidFill>
+                          <a:srgbClr val="1F1F1F"/>
+                        </a:solidFill>
+                        <a:effectLst/>
+                        <a:latin typeface="Google Sans Text"/>
+                      </a:endParaRPr>
+                    </a:p>
+                  </a:txBody>
+                  <a:tcPr marL="76200" marR="76200" marT="50800" marB="50800" anchor="ctr">
+                    <a:lnL w="12700" cap="flat" cmpd="sng" algn="ctr">
+                      <a:solidFill>
+                        <a:schemeClr val="tx1"/>
+                      </a:solidFill>
+                      <a:prstDash val="solid"/>
+                      <a:round/>
+                      <a:headEnd type="none" w="med" len="med"/>
+                      <a:tailEnd type="none" w="med" len="med"/>
+                    </a:lnL>
+                    <a:lnR w="12700" cap="flat" cmpd="sng" algn="ctr">
+                      <a:solidFill>
+                        <a:schemeClr val="tx1"/>
+                      </a:solidFill>
+                      <a:prstDash val="solid"/>
+                      <a:round/>
+                      <a:headEnd type="none" w="med" len="med"/>
+                      <a:tailEnd type="none" w="med" len="med"/>
+                    </a:lnR>
+                    <a:lnT w="12700" cap="flat" cmpd="sng" algn="ctr">
+                      <a:solidFill>
+                        <a:schemeClr val="tx1"/>
+                      </a:solidFill>
+                      <a:prstDash val="solid"/>
+                      <a:round/>
+                      <a:headEnd type="none" w="med" len="med"/>
+                      <a:tailEnd type="none" w="med" len="med"/>
+                    </a:lnT>
+                    <a:lnB w="12700" cap="flat" cmpd="sng" algn="ctr">
+                      <a:solidFill>
+                        <a:schemeClr val="tx1"/>
+                      </a:solidFill>
+                      <a:prstDash val="solid"/>
+                      <a:round/>
+                      <a:headEnd type="none" w="med" len="med"/>
+                      <a:tailEnd type="none" w="med" len="med"/>
+                    </a:lnB>
+                  </a:tcPr>
+                </a:tc>
+                <a:tc>
+                  <a:txBody>
+                    <a:bodyPr/>
+                    <a:lstStyle/>
+                    <a:p>
+                      <a:pPr rtl="0">
+                        <a:buNone/>
+                      </a:pPr>
+                      <a:r>
+                        <a:rPr lang="en-GB" sz="1400" b="1">
+                          <a:solidFill>
+                            <a:srgbClr val="1F1F1F"/>
+                          </a:solidFill>
+                          <a:effectLst/>
+                        </a:rPr>
+                        <a:t>Core Philosophy</a:t>
+                      </a:r>
+                      <a:endParaRPr lang="en-GB" sz="1400">
+                        <a:solidFill>
+                          <a:srgbClr val="1F1F1F"/>
+                        </a:solidFill>
+                        <a:effectLst/>
+                        <a:latin typeface="Google Sans Text"/>
+                      </a:endParaRPr>
+                    </a:p>
+                  </a:txBody>
+                  <a:tcPr marL="76200" marR="76200" marT="50800" marB="50800" anchor="ctr">
+                    <a:lnL w="12700" cap="flat" cmpd="sng" algn="ctr">
+                      <a:solidFill>
+                        <a:schemeClr val="tx1"/>
+                      </a:solidFill>
+                      <a:prstDash val="solid"/>
+                      <a:round/>
+                      <a:headEnd type="none" w="med" len="med"/>
+                      <a:tailEnd type="none" w="med" len="med"/>
+                    </a:lnL>
+                    <a:lnR w="12700" cap="flat" cmpd="sng" algn="ctr">
+                      <a:solidFill>
+                        <a:schemeClr val="tx1"/>
+                      </a:solidFill>
+                      <a:prstDash val="solid"/>
+                      <a:round/>
+                      <a:headEnd type="none" w="med" len="med"/>
+                      <a:tailEnd type="none" w="med" len="med"/>
+                    </a:lnR>
+                    <a:lnT w="12700" cap="flat" cmpd="sng" algn="ctr">
+                      <a:solidFill>
+                        <a:schemeClr val="tx1"/>
+                      </a:solidFill>
+                      <a:prstDash val="solid"/>
+                      <a:round/>
+                      <a:headEnd type="none" w="med" len="med"/>
+                      <a:tailEnd type="none" w="med" len="med"/>
+                    </a:lnT>
+                    <a:lnB w="12700" cap="flat" cmpd="sng" algn="ctr">
+                      <a:solidFill>
+                        <a:schemeClr val="tx1"/>
+                      </a:solidFill>
+                      <a:prstDash val="solid"/>
+                      <a:round/>
+                      <a:headEnd type="none" w="med" len="med"/>
+                      <a:tailEnd type="none" w="med" len="med"/>
+                    </a:lnB>
+                  </a:tcPr>
+                </a:tc>
+                <a:tc>
+                  <a:txBody>
+                    <a:bodyPr/>
+                    <a:lstStyle/>
+                    <a:p>
+                      <a:pPr rtl="0">
+                        <a:buNone/>
+                      </a:pPr>
+                      <a:r>
+                        <a:rPr lang="en-GB" sz="1400" b="1">
+                          <a:solidFill>
+                            <a:srgbClr val="1F1F1F"/>
+                          </a:solidFill>
+                          <a:effectLst/>
+                        </a:rPr>
+                        <a:t>Best Use Case</a:t>
+                      </a:r>
+                      <a:endParaRPr lang="en-GB" sz="1400">
+                        <a:solidFill>
+                          <a:srgbClr val="1F1F1F"/>
+                        </a:solidFill>
+                        <a:effectLst/>
+                        <a:latin typeface="Google Sans Text"/>
+                      </a:endParaRPr>
+                    </a:p>
+                  </a:txBody>
+                  <a:tcPr marL="76200" marR="76200" marT="50800" marB="50800" anchor="ctr">
+                    <a:lnL w="12700" cap="flat" cmpd="sng" algn="ctr">
+                      <a:solidFill>
+                        <a:schemeClr val="tx1"/>
+                      </a:solidFill>
+                      <a:prstDash val="solid"/>
+                      <a:round/>
+                      <a:headEnd type="none" w="med" len="med"/>
+                      <a:tailEnd type="none" w="med" len="med"/>
+                    </a:lnL>
+                    <a:lnR w="12700" cap="flat" cmpd="sng" algn="ctr">
+                      <a:solidFill>
+                        <a:schemeClr val="tx1"/>
+                      </a:solidFill>
+                      <a:prstDash val="solid"/>
+                      <a:round/>
+                      <a:headEnd type="none" w="med" len="med"/>
+                      <a:tailEnd type="none" w="med" len="med"/>
+                    </a:lnR>
+                    <a:lnT w="12700" cap="flat" cmpd="sng" algn="ctr">
+                      <a:solidFill>
+                        <a:schemeClr val="tx1"/>
+                      </a:solidFill>
+                      <a:prstDash val="solid"/>
+                      <a:round/>
+                      <a:headEnd type="none" w="med" len="med"/>
+                      <a:tailEnd type="none" w="med" len="med"/>
+                    </a:lnT>
+                    <a:lnB w="12700" cap="flat" cmpd="sng" algn="ctr">
+                      <a:solidFill>
+                        <a:schemeClr val="tx1"/>
+                      </a:solidFill>
+                      <a:prstDash val="solid"/>
+                      <a:round/>
+                      <a:headEnd type="none" w="med" len="med"/>
+                      <a:tailEnd type="none" w="med" len="med"/>
+                    </a:lnB>
+                  </a:tcPr>
+                </a:tc>
+                <a:extLst>
+                  <a:ext uri="{0D108BD9-81ED-4DB2-BD59-A6C34878D82A}">
+                    <a16:rowId xmlns:a16="http://schemas.microsoft.com/office/drawing/2014/main" val="3945199453"/>
+                  </a:ext>
+                </a:extLst>
+              </a:tr>
+              <a:tr h="192035">
+                <a:tc>
+                  <a:txBody>
+                    <a:bodyPr/>
+                    <a:lstStyle/>
+                    <a:p>
+                      <a:pPr rtl="0">
+                        <a:buNone/>
+                      </a:pPr>
+                      <a:r>
+                        <a:rPr lang="en-GB" sz="1400" b="1">
+                          <a:solidFill>
+                            <a:srgbClr val="1F1F1F"/>
+                          </a:solidFill>
+                          <a:effectLst/>
+                        </a:rPr>
+                        <a:t>PCA</a:t>
+                      </a:r>
+                      <a:endParaRPr lang="en-GB" sz="1400">
+                        <a:solidFill>
+                          <a:srgbClr val="1F1F1F"/>
+                        </a:solidFill>
+                        <a:effectLst/>
+                        <a:latin typeface="Google Sans Text"/>
+                      </a:endParaRPr>
+                    </a:p>
+                  </a:txBody>
+                  <a:tcPr marL="76200" marR="76200" marT="50800" marB="50800" anchor="ctr">
+                    <a:lnL w="12700" cap="flat" cmpd="sng" algn="ctr">
+                      <a:solidFill>
+                        <a:schemeClr val="tx1"/>
+                      </a:solidFill>
+                      <a:prstDash val="solid"/>
+                      <a:round/>
+                      <a:headEnd type="none" w="med" len="med"/>
+                      <a:tailEnd type="none" w="med" len="med"/>
+                    </a:lnL>
+                    <a:lnR w="12700" cap="flat" cmpd="sng" algn="ctr">
+                      <a:solidFill>
+                        <a:schemeClr val="tx1"/>
+                      </a:solidFill>
+                      <a:prstDash val="solid"/>
+                      <a:round/>
+                      <a:headEnd type="none" w="med" len="med"/>
+                      <a:tailEnd type="none" w="med" len="med"/>
+                    </a:lnR>
+                    <a:lnT w="12700" cap="flat" cmpd="sng" algn="ctr">
+                      <a:solidFill>
+                        <a:schemeClr val="tx1"/>
+                      </a:solidFill>
+                      <a:prstDash val="solid"/>
+                      <a:round/>
+                      <a:headEnd type="none" w="med" len="med"/>
+                      <a:tailEnd type="none" w="med" len="med"/>
+                    </a:lnT>
+                    <a:lnB w="12700" cap="flat" cmpd="sng" algn="ctr">
+                      <a:solidFill>
+                        <a:schemeClr val="tx1"/>
+                      </a:solidFill>
+                      <a:prstDash val="solid"/>
+                      <a:round/>
+                      <a:headEnd type="none" w="med" len="med"/>
+                      <a:tailEnd type="none" w="med" len="med"/>
+                    </a:lnB>
+                  </a:tcPr>
+                </a:tc>
+                <a:tc>
+                  <a:txBody>
+                    <a:bodyPr/>
+                    <a:lstStyle/>
+                    <a:p>
+                      <a:pPr rtl="0">
+                        <a:buNone/>
+                      </a:pPr>
+                      <a:r>
+                        <a:rPr lang="en-GB" sz="1400">
+                          <a:solidFill>
+                            <a:srgbClr val="1F1F1F"/>
+                          </a:solidFill>
+                          <a:effectLst/>
+                        </a:rPr>
+                        <a:t>Captures "Spread" (Variance)</a:t>
+                      </a:r>
+                      <a:endParaRPr lang="en-GB" sz="1400">
+                        <a:solidFill>
+                          <a:srgbClr val="1F1F1F"/>
+                        </a:solidFill>
+                        <a:effectLst/>
+                        <a:latin typeface="Google Sans Text"/>
+                      </a:endParaRPr>
+                    </a:p>
+                  </a:txBody>
+                  <a:tcPr marL="76200" marR="76200" marT="50800" marB="50800" anchor="ctr">
+                    <a:lnL w="12700" cap="flat" cmpd="sng" algn="ctr">
+                      <a:solidFill>
+                        <a:schemeClr val="tx1"/>
+                      </a:solidFill>
+                      <a:prstDash val="solid"/>
+                      <a:round/>
+                      <a:headEnd type="none" w="med" len="med"/>
+                      <a:tailEnd type="none" w="med" len="med"/>
+                    </a:lnL>
+                    <a:lnR w="12700" cap="flat" cmpd="sng" algn="ctr">
+                      <a:solidFill>
+                        <a:schemeClr val="tx1"/>
+                      </a:solidFill>
+                      <a:prstDash val="solid"/>
+                      <a:round/>
+                      <a:headEnd type="none" w="med" len="med"/>
+                      <a:tailEnd type="none" w="med" len="med"/>
+                    </a:lnR>
+                    <a:lnT w="12700" cap="flat" cmpd="sng" algn="ctr">
+                      <a:solidFill>
+                        <a:schemeClr val="tx1"/>
+                      </a:solidFill>
+                      <a:prstDash val="solid"/>
+                      <a:round/>
+                      <a:headEnd type="none" w="med" len="med"/>
+                      <a:tailEnd type="none" w="med" len="med"/>
+                    </a:lnT>
+                    <a:lnB w="12700" cap="flat" cmpd="sng" algn="ctr">
+                      <a:solidFill>
+                        <a:schemeClr val="tx1"/>
+                      </a:solidFill>
+                      <a:prstDash val="solid"/>
+                      <a:round/>
+                      <a:headEnd type="none" w="med" len="med"/>
+                      <a:tailEnd type="none" w="med" len="med"/>
+                    </a:lnB>
+                  </a:tcPr>
+                </a:tc>
+                <a:tc>
+                  <a:txBody>
+                    <a:bodyPr/>
+                    <a:lstStyle/>
+                    <a:p>
+                      <a:pPr rtl="0">
+                        <a:buNone/>
+                      </a:pPr>
+                      <a:r>
+                        <a:rPr lang="en-GB" sz="1400">
+                          <a:solidFill>
+                            <a:srgbClr val="1F1F1F"/>
+                          </a:solidFill>
+                          <a:effectLst/>
+                        </a:rPr>
+                        <a:t>Pre-processing and Noise reduction</a:t>
+                      </a:r>
+                      <a:endParaRPr lang="en-GB" sz="1400">
+                        <a:solidFill>
+                          <a:srgbClr val="1F1F1F"/>
+                        </a:solidFill>
+                        <a:effectLst/>
+                        <a:latin typeface="Google Sans Text"/>
+                      </a:endParaRPr>
+                    </a:p>
+                  </a:txBody>
+                  <a:tcPr marL="76200" marR="76200" marT="50800" marB="50800" anchor="ctr">
+                    <a:lnL w="12700" cap="flat" cmpd="sng" algn="ctr">
+                      <a:solidFill>
+                        <a:schemeClr val="tx1"/>
+                      </a:solidFill>
+                      <a:prstDash val="solid"/>
+                      <a:round/>
+                      <a:headEnd type="none" w="med" len="med"/>
+                      <a:tailEnd type="none" w="med" len="med"/>
+                    </a:lnL>
+                    <a:lnR w="12700" cap="flat" cmpd="sng" algn="ctr">
+                      <a:solidFill>
+                        <a:schemeClr val="tx1"/>
+                      </a:solidFill>
+                      <a:prstDash val="solid"/>
+                      <a:round/>
+                      <a:headEnd type="none" w="med" len="med"/>
+                      <a:tailEnd type="none" w="med" len="med"/>
+                    </a:lnR>
+                    <a:lnT w="12700" cap="flat" cmpd="sng" algn="ctr">
+                      <a:solidFill>
+                        <a:schemeClr val="tx1"/>
+                      </a:solidFill>
+                      <a:prstDash val="solid"/>
+                      <a:round/>
+                      <a:headEnd type="none" w="med" len="med"/>
+                      <a:tailEnd type="none" w="med" len="med"/>
+                    </a:lnT>
+                    <a:lnB w="12700" cap="flat" cmpd="sng" algn="ctr">
+                      <a:solidFill>
+                        <a:schemeClr val="tx1"/>
+                      </a:solidFill>
+                      <a:prstDash val="solid"/>
+                      <a:round/>
+                      <a:headEnd type="none" w="med" len="med"/>
+                      <a:tailEnd type="none" w="med" len="med"/>
+                    </a:lnB>
+                  </a:tcPr>
+                </a:tc>
+                <a:extLst>
+                  <a:ext uri="{0D108BD9-81ED-4DB2-BD59-A6C34878D82A}">
+                    <a16:rowId xmlns:a16="http://schemas.microsoft.com/office/drawing/2014/main" val="3856535209"/>
+                  </a:ext>
+                </a:extLst>
+              </a:tr>
+              <a:tr h="192035">
+                <a:tc>
+                  <a:txBody>
+                    <a:bodyPr/>
+                    <a:lstStyle/>
+                    <a:p>
+                      <a:pPr rtl="0">
+                        <a:buNone/>
+                      </a:pPr>
+                      <a:r>
+                        <a:rPr lang="en-GB" sz="1400" b="1">
+                          <a:solidFill>
+                            <a:srgbClr val="1F1F1F"/>
+                          </a:solidFill>
+                          <a:effectLst/>
+                        </a:rPr>
+                        <a:t>t-SNE</a:t>
+                      </a:r>
+                      <a:endParaRPr lang="en-GB" sz="1400">
+                        <a:solidFill>
+                          <a:srgbClr val="1F1F1F"/>
+                        </a:solidFill>
+                        <a:effectLst/>
+                        <a:latin typeface="Google Sans Text"/>
+                      </a:endParaRPr>
+                    </a:p>
+                  </a:txBody>
+                  <a:tcPr marL="76200" marR="76200" marT="50800" marB="50800" anchor="ctr">
+                    <a:lnL w="12700" cap="flat" cmpd="sng" algn="ctr">
+                      <a:solidFill>
+                        <a:schemeClr val="tx1"/>
+                      </a:solidFill>
+                      <a:prstDash val="solid"/>
+                      <a:round/>
+                      <a:headEnd type="none" w="med" len="med"/>
+                      <a:tailEnd type="none" w="med" len="med"/>
+                    </a:lnL>
+                    <a:lnR w="12700" cap="flat" cmpd="sng" algn="ctr">
+                      <a:solidFill>
+                        <a:schemeClr val="tx1"/>
+                      </a:solidFill>
+                      <a:prstDash val="solid"/>
+                      <a:round/>
+                      <a:headEnd type="none" w="med" len="med"/>
+                      <a:tailEnd type="none" w="med" len="med"/>
+                    </a:lnR>
+                    <a:lnT w="12700" cap="flat" cmpd="sng" algn="ctr">
+                      <a:solidFill>
+                        <a:schemeClr val="tx1"/>
+                      </a:solidFill>
+                      <a:prstDash val="solid"/>
+                      <a:round/>
+                      <a:headEnd type="none" w="med" len="med"/>
+                      <a:tailEnd type="none" w="med" len="med"/>
+                    </a:lnT>
+                    <a:lnB w="12700" cap="flat" cmpd="sng" algn="ctr">
+                      <a:solidFill>
+                        <a:schemeClr val="tx1"/>
+                      </a:solidFill>
+                      <a:prstDash val="solid"/>
+                      <a:round/>
+                      <a:headEnd type="none" w="med" len="med"/>
+                      <a:tailEnd type="none" w="med" len="med"/>
+                    </a:lnB>
+                  </a:tcPr>
+                </a:tc>
+                <a:tc>
+                  <a:txBody>
+                    <a:bodyPr/>
+                    <a:lstStyle/>
+                    <a:p>
+                      <a:pPr rtl="0">
+                        <a:buNone/>
+                      </a:pPr>
+                      <a:r>
+                        <a:rPr lang="en-GB" sz="1400">
+                          <a:solidFill>
+                            <a:srgbClr val="1F1F1F"/>
+                          </a:solidFill>
+                          <a:effectLst/>
+                        </a:rPr>
+                        <a:t>Preserves "Who is close"</a:t>
+                      </a:r>
+                      <a:endParaRPr lang="en-GB" sz="1400">
+                        <a:solidFill>
+                          <a:srgbClr val="1F1F1F"/>
+                        </a:solidFill>
+                        <a:effectLst/>
+                        <a:latin typeface="Google Sans Text"/>
+                      </a:endParaRPr>
+                    </a:p>
+                  </a:txBody>
+                  <a:tcPr marL="76200" marR="76200" marT="50800" marB="50800" anchor="ctr">
+                    <a:lnL w="12700" cap="flat" cmpd="sng" algn="ctr">
+                      <a:solidFill>
+                        <a:schemeClr val="tx1"/>
+                      </a:solidFill>
+                      <a:prstDash val="solid"/>
+                      <a:round/>
+                      <a:headEnd type="none" w="med" len="med"/>
+                      <a:tailEnd type="none" w="med" len="med"/>
+                    </a:lnL>
+                    <a:lnR w="12700" cap="flat" cmpd="sng" algn="ctr">
+                      <a:solidFill>
+                        <a:schemeClr val="tx1"/>
+                      </a:solidFill>
+                      <a:prstDash val="solid"/>
+                      <a:round/>
+                      <a:headEnd type="none" w="med" len="med"/>
+                      <a:tailEnd type="none" w="med" len="med"/>
+                    </a:lnR>
+                    <a:lnT w="12700" cap="flat" cmpd="sng" algn="ctr">
+                      <a:solidFill>
+                        <a:schemeClr val="tx1"/>
+                      </a:solidFill>
+                      <a:prstDash val="solid"/>
+                      <a:round/>
+                      <a:headEnd type="none" w="med" len="med"/>
+                      <a:tailEnd type="none" w="med" len="med"/>
+                    </a:lnT>
+                    <a:lnB w="12700" cap="flat" cmpd="sng" algn="ctr">
+                      <a:solidFill>
+                        <a:schemeClr val="tx1"/>
+                      </a:solidFill>
+                      <a:prstDash val="solid"/>
+                      <a:round/>
+                      <a:headEnd type="none" w="med" len="med"/>
+                      <a:tailEnd type="none" w="med" len="med"/>
+                    </a:lnB>
+                  </a:tcPr>
+                </a:tc>
+                <a:tc>
+                  <a:txBody>
+                    <a:bodyPr/>
+                    <a:lstStyle/>
+                    <a:p>
+                      <a:pPr rtl="0">
+                        <a:buNone/>
+                      </a:pPr>
+                      <a:r>
+                        <a:rPr lang="en-GB" sz="1400">
+                          <a:solidFill>
+                            <a:srgbClr val="1F1F1F"/>
+                          </a:solidFill>
+                          <a:effectLst/>
+                        </a:rPr>
+                        <a:t>Identifying clusters visually</a:t>
+                      </a:r>
+                      <a:endParaRPr lang="en-GB" sz="1400">
+                        <a:solidFill>
+                          <a:srgbClr val="1F1F1F"/>
+                        </a:solidFill>
+                        <a:effectLst/>
+                        <a:latin typeface="Google Sans Text"/>
+                      </a:endParaRPr>
+                    </a:p>
+                  </a:txBody>
+                  <a:tcPr marL="76200" marR="76200" marT="50800" marB="50800" anchor="ctr">
+                    <a:lnL w="12700" cap="flat" cmpd="sng" algn="ctr">
+                      <a:solidFill>
+                        <a:schemeClr val="tx1"/>
+                      </a:solidFill>
+                      <a:prstDash val="solid"/>
+                      <a:round/>
+                      <a:headEnd type="none" w="med" len="med"/>
+                      <a:tailEnd type="none" w="med" len="med"/>
+                    </a:lnL>
+                    <a:lnR w="12700" cap="flat" cmpd="sng" algn="ctr">
+                      <a:solidFill>
+                        <a:schemeClr val="tx1"/>
+                      </a:solidFill>
+                      <a:prstDash val="solid"/>
+                      <a:round/>
+                      <a:headEnd type="none" w="med" len="med"/>
+                      <a:tailEnd type="none" w="med" len="med"/>
+                    </a:lnR>
+                    <a:lnT w="12700" cap="flat" cmpd="sng" algn="ctr">
+                      <a:solidFill>
+                        <a:schemeClr val="tx1"/>
+                      </a:solidFill>
+                      <a:prstDash val="solid"/>
+                      <a:round/>
+                      <a:headEnd type="none" w="med" len="med"/>
+                      <a:tailEnd type="none" w="med" len="med"/>
+                    </a:lnT>
+                    <a:lnB w="12700" cap="flat" cmpd="sng" algn="ctr">
+                      <a:solidFill>
+                        <a:schemeClr val="tx1"/>
+                      </a:solidFill>
+                      <a:prstDash val="solid"/>
+                      <a:round/>
+                      <a:headEnd type="none" w="med" len="med"/>
+                      <a:tailEnd type="none" w="med" len="med"/>
+                    </a:lnB>
+                  </a:tcPr>
+                </a:tc>
+                <a:extLst>
+                  <a:ext uri="{0D108BD9-81ED-4DB2-BD59-A6C34878D82A}">
+                    <a16:rowId xmlns:a16="http://schemas.microsoft.com/office/drawing/2014/main" val="1773616062"/>
+                  </a:ext>
+                </a:extLst>
+              </a:tr>
+              <a:tr h="332169">
+                <a:tc>
+                  <a:txBody>
+                    <a:bodyPr/>
+                    <a:lstStyle/>
+                    <a:p>
+                      <a:pPr rtl="0">
+                        <a:buNone/>
+                      </a:pPr>
+                      <a:r>
+                        <a:rPr lang="en-GB" sz="1400" b="1">
+                          <a:solidFill>
+                            <a:srgbClr val="1F1F1F"/>
+                          </a:solidFill>
+                          <a:effectLst/>
+                        </a:rPr>
+                        <a:t>UMAP</a:t>
+                      </a:r>
+                      <a:endParaRPr lang="en-GB" sz="1400">
+                        <a:solidFill>
+                          <a:srgbClr val="1F1F1F"/>
+                        </a:solidFill>
+                        <a:effectLst/>
+                        <a:latin typeface="Google Sans Text"/>
+                      </a:endParaRPr>
+                    </a:p>
+                  </a:txBody>
+                  <a:tcPr marL="76200" marR="76200" marT="50800" marB="50800" anchor="ctr">
+                    <a:lnL w="12700" cap="flat" cmpd="sng" algn="ctr">
+                      <a:solidFill>
+                        <a:schemeClr val="tx1"/>
+                      </a:solidFill>
+                      <a:prstDash val="solid"/>
+                      <a:round/>
+                      <a:headEnd type="none" w="med" len="med"/>
+                      <a:tailEnd type="none" w="med" len="med"/>
+                    </a:lnL>
+                    <a:lnR w="12700" cap="flat" cmpd="sng" algn="ctr">
+                      <a:solidFill>
+                        <a:schemeClr val="tx1"/>
+                      </a:solidFill>
+                      <a:prstDash val="solid"/>
+                      <a:round/>
+                      <a:headEnd type="none" w="med" len="med"/>
+                      <a:tailEnd type="none" w="med" len="med"/>
+                    </a:lnR>
+                    <a:lnT w="12700" cap="flat" cmpd="sng" algn="ctr">
+                      <a:solidFill>
+                        <a:schemeClr val="tx1"/>
+                      </a:solidFill>
+                      <a:prstDash val="solid"/>
+                      <a:round/>
+                      <a:headEnd type="none" w="med" len="med"/>
+                      <a:tailEnd type="none" w="med" len="med"/>
+                    </a:lnT>
+                    <a:lnB w="12700" cap="flat" cmpd="sng" algn="ctr">
+                      <a:solidFill>
+                        <a:schemeClr val="tx1"/>
+                      </a:solidFill>
+                      <a:prstDash val="solid"/>
+                      <a:round/>
+                      <a:headEnd type="none" w="med" len="med"/>
+                      <a:tailEnd type="none" w="med" len="med"/>
+                    </a:lnB>
+                  </a:tcPr>
+                </a:tc>
+                <a:tc>
+                  <a:txBody>
+                    <a:bodyPr/>
+                    <a:lstStyle/>
+                    <a:p>
+                      <a:pPr rtl="0">
+                        <a:buNone/>
+                      </a:pPr>
+                      <a:r>
+                        <a:rPr lang="en-US" sz="1400">
+                          <a:solidFill>
+                            <a:srgbClr val="1F1F1F"/>
+                          </a:solidFill>
+                          <a:effectLst/>
+                        </a:rPr>
+                        <a:t>Preserves "Who is close" AND "How far"</a:t>
+                      </a:r>
+                      <a:endParaRPr lang="en-US" sz="1400">
+                        <a:solidFill>
+                          <a:srgbClr val="1F1F1F"/>
+                        </a:solidFill>
+                        <a:effectLst/>
+                        <a:latin typeface="Google Sans Text"/>
+                      </a:endParaRPr>
+                    </a:p>
+                  </a:txBody>
+                  <a:tcPr marL="76200" marR="76200" marT="50800" marB="50800" anchor="ctr">
+                    <a:lnL w="12700" cap="flat" cmpd="sng" algn="ctr">
+                      <a:solidFill>
+                        <a:schemeClr val="tx1"/>
+                      </a:solidFill>
+                      <a:prstDash val="solid"/>
+                      <a:round/>
+                      <a:headEnd type="none" w="med" len="med"/>
+                      <a:tailEnd type="none" w="med" len="med"/>
+                    </a:lnL>
+                    <a:lnR w="12700" cap="flat" cmpd="sng" algn="ctr">
+                      <a:solidFill>
+                        <a:schemeClr val="tx1"/>
+                      </a:solidFill>
+                      <a:prstDash val="solid"/>
+                      <a:round/>
+                      <a:headEnd type="none" w="med" len="med"/>
+                      <a:tailEnd type="none" w="med" len="med"/>
+                    </a:lnR>
+                    <a:lnT w="12700" cap="flat" cmpd="sng" algn="ctr">
+                      <a:solidFill>
+                        <a:schemeClr val="tx1"/>
+                      </a:solidFill>
+                      <a:prstDash val="solid"/>
+                      <a:round/>
+                      <a:headEnd type="none" w="med" len="med"/>
+                      <a:tailEnd type="none" w="med" len="med"/>
+                    </a:lnT>
+                    <a:lnB w="12700" cap="flat" cmpd="sng" algn="ctr">
+                      <a:solidFill>
+                        <a:schemeClr val="tx1"/>
+                      </a:solidFill>
+                      <a:prstDash val="solid"/>
+                      <a:round/>
+                      <a:headEnd type="none" w="med" len="med"/>
+                      <a:tailEnd type="none" w="med" len="med"/>
+                    </a:lnB>
+                  </a:tcPr>
+                </a:tc>
+                <a:tc>
+                  <a:txBody>
+                    <a:bodyPr/>
+                    <a:lstStyle/>
+                    <a:p>
+                      <a:pPr rtl="0">
+                        <a:buNone/>
+                      </a:pPr>
+                      <a:r>
+                        <a:rPr lang="en-GB" sz="1400" dirty="0">
+                          <a:solidFill>
+                            <a:srgbClr val="1F1F1F"/>
+                          </a:solidFill>
+                          <a:effectLst/>
+                        </a:rPr>
+                        <a:t>Large-scale data visualization</a:t>
+                      </a:r>
+                      <a:endParaRPr lang="en-GB" sz="1400" dirty="0">
+                        <a:solidFill>
+                          <a:srgbClr val="1F1F1F"/>
+                        </a:solidFill>
+                        <a:effectLst/>
+                        <a:latin typeface="Google Sans Text"/>
+                      </a:endParaRPr>
+                    </a:p>
+                  </a:txBody>
+                  <a:tcPr marL="76200" marR="76200" marT="50800" marB="50800" anchor="ctr">
+                    <a:lnL w="12700" cap="flat" cmpd="sng" algn="ctr">
+                      <a:solidFill>
+                        <a:schemeClr val="tx1"/>
+                      </a:solidFill>
+                      <a:prstDash val="solid"/>
+                      <a:round/>
+                      <a:headEnd type="none" w="med" len="med"/>
+                      <a:tailEnd type="none" w="med" len="med"/>
+                    </a:lnL>
+                    <a:lnR w="12700" cap="flat" cmpd="sng" algn="ctr">
+                      <a:solidFill>
+                        <a:schemeClr val="tx1"/>
+                      </a:solidFill>
+                      <a:prstDash val="solid"/>
+                      <a:round/>
+                      <a:headEnd type="none" w="med" len="med"/>
+                      <a:tailEnd type="none" w="med" len="med"/>
+                    </a:lnR>
+                    <a:lnT w="12700" cap="flat" cmpd="sng" algn="ctr">
+                      <a:solidFill>
+                        <a:schemeClr val="tx1"/>
+                      </a:solidFill>
+                      <a:prstDash val="solid"/>
+                      <a:round/>
+                      <a:headEnd type="none" w="med" len="med"/>
+                      <a:tailEnd type="none" w="med" len="med"/>
+                    </a:lnT>
+                    <a:lnB w="12700" cap="flat" cmpd="sng" algn="ctr">
+                      <a:solidFill>
+                        <a:schemeClr val="tx1"/>
+                      </a:solidFill>
+                      <a:prstDash val="solid"/>
+                      <a:round/>
+                      <a:headEnd type="none" w="med" len="med"/>
+                      <a:tailEnd type="none" w="med" len="med"/>
+                    </a:lnB>
+                  </a:tcPr>
+                </a:tc>
+                <a:extLst>
+                  <a:ext uri="{0D108BD9-81ED-4DB2-BD59-A6C34878D82A}">
+                    <a16:rowId xmlns:a16="http://schemas.microsoft.com/office/drawing/2014/main" val="1428252125"/>
+                  </a:ext>
+                </a:extLst>
+              </a:tr>
+            </a:tbl>
+          </a:graphicData>
+        </a:graphic>
+      </p:graphicFrame>
     </p:spTree>
     <p:extLst>
       <p:ext uri="{BB962C8B-B14F-4D97-AF65-F5344CB8AC3E}">
@@ -11214,7 +12085,7 @@
         <p:spPr>
           <a:xfrm>
             <a:off x="4481257" y="1141871"/>
-            <a:ext cx="4940024" cy="1569660"/>
+            <a:ext cx="4940024" cy="1384995"/>
           </a:xfrm>
           <a:prstGeom prst="rect">
             <a:avLst/>
@@ -11269,7 +12140,7 @@
             </a:pPr>
             <a:r>
               <a:rPr lang="en-IN" sz="1200" dirty="0"/>
-              <a:t>Minimum distance: Sum of squares of distances from each point to the line should be minimum</a:t>
+              <a:t>Minimum distance: Squared perpendicular distances </a:t>
             </a:r>
             <a:endParaRPr lang="en-GB" sz="1200" dirty="0"/>
           </a:p>
@@ -14362,12 +15233,9 @@
           <a:p>
             <a:r>
               <a:rPr lang="en-IN" dirty="0"/>
-              <a:t>t-SNE (</a:t>
+              <a:t>t-SNE and UMAP</a:t>
             </a:r>
-            <a:r>
-              <a:rPr lang="en-GB" dirty="0"/>
-              <a:t>t-Distributed Stochastic Neighbour Embedding)</a:t>
-            </a:r>
+            <a:endParaRPr lang="en-GB" dirty="0"/>
           </a:p>
         </p:txBody>
       </p:sp>
@@ -14390,57 +15258,72 @@
         <p:spPr/>
         <p:txBody>
           <a:bodyPr>
-            <a:normAutofit fontScale="92500" lnSpcReduction="10000"/>
+            <a:normAutofit lnSpcReduction="10000"/>
           </a:bodyPr>
           <a:lstStyle/>
           <a:p>
             <a:r>
+              <a:rPr lang="en-IN" dirty="0"/>
+              <a:t>t-SNE (</a:t>
+            </a:r>
+            <a:r>
+              <a:rPr lang="en-GB" dirty="0"/>
+              <a:t>t-Distributed Stochastic Neighbour Embedding)</a:t>
+            </a:r>
+            <a:endParaRPr lang="en-US" dirty="0"/>
+          </a:p>
+          <a:p>
+            <a:pPr lvl="1"/>
+            <a:r>
               <a:rPr lang="en-US" dirty="0"/>
-              <a:t>A non-linear dimensionality reduction technique mainly used for visualizing high-dimensional data in 2D or 3D</a:t>
+              <a:t>Keeps "Friends" Together: It focuses on keeping points that are close to each other in high dimensions close together in the simplified view</a:t>
+            </a:r>
+          </a:p>
+          <a:p>
+            <a:pPr lvl="1"/>
+            <a:r>
+              <a:rPr lang="en-US" dirty="0"/>
+              <a:t>Ignores "The Big Picture": It does not care about the total distance across the whole map; it only cares about our immediate surroundings</a:t>
             </a:r>
           </a:p>
           <a:p>
             <a:r>
               <a:rPr lang="en-US" dirty="0"/>
-              <a:t>Points that are close in high-D space should remain close in 2D</a:t>
+              <a:t>UMAP </a:t>
+            </a:r>
+            <a:r>
+              <a:rPr lang="en-IN" dirty="0"/>
+              <a:t>(</a:t>
+            </a:r>
+            <a:r>
+              <a:rPr lang="en-US" dirty="0"/>
+              <a:t>Uniform Manifold Approximation and Projection</a:t>
+            </a:r>
+            <a:r>
+              <a:rPr lang="en-GB" dirty="0"/>
+              <a:t>)</a:t>
             </a:r>
           </a:p>
           <a:p>
+            <a:pPr lvl="1"/>
             <a:r>
               <a:rPr lang="en-US" dirty="0"/>
-              <a:t>Converts distances into probabilities</a:t>
+              <a:t>Best of Both Worlds: It preserves local "neighborhoods" (like t-SNE) while also respecting the "big picture" global structure (like PCA)</a:t>
             </a:r>
           </a:p>
           <a:p>
+            <a:pPr lvl="1"/>
             <a:r>
               <a:rPr lang="en-US" dirty="0"/>
-              <a:t>Tries to match these probabilities in low dimensions</a:t>
+              <a:t>Fast and Scalable: It is significantly faster than t-SNE, making it the better choice for massive datasets or real-time agentic workflows</a:t>
             </a:r>
           </a:p>
           <a:p>
+            <a:pPr lvl="1"/>
             <a:r>
               <a:rPr lang="en-US" dirty="0"/>
-              <a:t>Reveals clusters clearly</a:t>
+              <a:t>True to Distance: Unlike t-SNE, the distance between clusters in UMAP actually has meaning, helping us see how related different groups truly are</a:t>
             </a:r>
-          </a:p>
-          <a:p>
-            <a:r>
-              <a:rPr lang="en-US" dirty="0"/>
-              <a:t>Preserves nearest-neighbor relationships</a:t>
-            </a:r>
-          </a:p>
-          <a:p>
-            <a:r>
-              <a:rPr lang="en-US" dirty="0"/>
-              <a:t>Very popular for embeddings, images, text vectors</a:t>
-            </a:r>
-          </a:p>
-          <a:p>
-            <a:r>
-              <a:rPr lang="en-US" dirty="0"/>
-              <a:t>Excellent for seeing local clusters, but useless for measuring global relationships</a:t>
-            </a:r>
-            <a:endParaRPr lang="en-GB" dirty="0"/>
           </a:p>
         </p:txBody>
       </p:sp>
@@ -14458,151 +15341,6 @@
 </file>
 
 <file path=ppt/slides/slide17.xml><?xml version="1.0" encoding="utf-8"?>
-<p:sld xmlns:a="http://schemas.openxmlformats.org/drawingml/2006/main" xmlns:r="http://schemas.openxmlformats.org/officeDocument/2006/relationships" xmlns:p="http://schemas.openxmlformats.org/presentationml/2006/main">
-  <p:cSld>
-    <p:spTree>
-      <p:nvGrpSpPr>
-        <p:cNvPr id="1" name="">
-          <a:extLst>
-            <a:ext uri="{FF2B5EF4-FFF2-40B4-BE49-F238E27FC236}">
-              <a16:creationId xmlns:a16="http://schemas.microsoft.com/office/drawing/2014/main" id="{0B02142C-D0D2-8441-4D48-7B46618E37BE}"/>
-            </a:ext>
-          </a:extLst>
-        </p:cNvPr>
-        <p:cNvGrpSpPr/>
-        <p:nvPr/>
-      </p:nvGrpSpPr>
-      <p:grpSpPr>
-        <a:xfrm>
-          <a:off x="0" y="0"/>
-          <a:ext cx="0" cy="0"/>
-          <a:chOff x="0" y="0"/>
-          <a:chExt cx="0" cy="0"/>
-        </a:xfrm>
-      </p:grpSpPr>
-      <p:sp>
-        <p:nvSpPr>
-          <p:cNvPr id="2" name="Title 1">
-            <a:extLst>
-              <a:ext uri="{FF2B5EF4-FFF2-40B4-BE49-F238E27FC236}">
-                <a16:creationId xmlns:a16="http://schemas.microsoft.com/office/drawing/2014/main" id="{7AC4D8FE-3DD8-72D1-4459-F9DC0248C754}"/>
-              </a:ext>
-            </a:extLst>
-          </p:cNvPr>
-          <p:cNvSpPr>
-            <a:spLocks noGrp="1"/>
-          </p:cNvSpPr>
-          <p:nvPr>
-            <p:ph type="title"/>
-          </p:nvPr>
-        </p:nvSpPr>
-        <p:spPr/>
-        <p:txBody>
-          <a:bodyPr/>
-          <a:lstStyle/>
-          <a:p>
-            <a:r>
-              <a:rPr lang="en-IN" dirty="0"/>
-              <a:t>UMAP (</a:t>
-            </a:r>
-            <a:r>
-              <a:rPr lang="en-US" dirty="0"/>
-              <a:t>Uniform Manifold Approximation and Projection</a:t>
-            </a:r>
-            <a:r>
-              <a:rPr lang="en-GB" dirty="0"/>
-              <a:t>)</a:t>
-            </a:r>
-          </a:p>
-        </p:txBody>
-      </p:sp>
-      <p:sp>
-        <p:nvSpPr>
-          <p:cNvPr id="5" name="Content Placeholder 4">
-            <a:extLst>
-              <a:ext uri="{FF2B5EF4-FFF2-40B4-BE49-F238E27FC236}">
-                <a16:creationId xmlns:a16="http://schemas.microsoft.com/office/drawing/2014/main" id="{CDF1D6BB-18CF-38FF-AD0C-A3C184D9A73A}"/>
-              </a:ext>
-            </a:extLst>
-          </p:cNvPr>
-          <p:cNvSpPr>
-            <a:spLocks noGrp="1"/>
-          </p:cNvSpPr>
-          <p:nvPr>
-            <p:ph idx="1"/>
-          </p:nvPr>
-        </p:nvSpPr>
-        <p:spPr/>
-        <p:txBody>
-          <a:bodyPr>
-            <a:normAutofit fontScale="92500" lnSpcReduction="10000"/>
-          </a:bodyPr>
-          <a:lstStyle/>
-          <a:p>
-            <a:r>
-              <a:rPr lang="en-US" dirty="0"/>
-              <a:t>A non-linear dimensionality reduction technique for fast, scalable visualization and structure preservation</a:t>
-            </a:r>
-          </a:p>
-          <a:p>
-            <a:r>
-              <a:rPr lang="en-US" dirty="0"/>
-              <a:t>Preserves local neighborhoods</a:t>
-            </a:r>
-          </a:p>
-          <a:p>
-            <a:r>
-              <a:rPr lang="en-US" dirty="0"/>
-              <a:t>Retains some global structure</a:t>
-            </a:r>
-          </a:p>
-          <a:p>
-            <a:r>
-              <a:rPr lang="en-US" dirty="0"/>
-              <a:t>Much faster than t-SNE</a:t>
-            </a:r>
-          </a:p>
-          <a:p>
-            <a:r>
-              <a:rPr lang="en-US" dirty="0"/>
-              <a:t>Can handle large datasets</a:t>
-            </a:r>
-          </a:p>
-          <a:p>
-            <a:r>
-              <a:rPr lang="en-US" dirty="0"/>
-              <a:t>Gives a faster, more stable visualization while preserving both local and partial global structure</a:t>
-            </a:r>
-          </a:p>
-          <a:p>
-            <a:r>
-              <a:rPr lang="en-US" dirty="0"/>
-              <a:t>Small data, pretty clusters → t-SNE</a:t>
-            </a:r>
-          </a:p>
-          <a:p>
-            <a:r>
-              <a:rPr lang="en-US" dirty="0"/>
-              <a:t>Large data, stability, speed → UMAP</a:t>
-            </a:r>
-            <a:endParaRPr lang="en-GB" dirty="0"/>
-          </a:p>
-        </p:txBody>
-      </p:sp>
-    </p:spTree>
-    <p:extLst>
-      <p:ext uri="{BB962C8B-B14F-4D97-AF65-F5344CB8AC3E}">
-        <p14:creationId xmlns:p14="http://schemas.microsoft.com/office/powerpoint/2010/main" val="2569211886"/>
-      </p:ext>
-    </p:extLst>
-  </p:cSld>
-  <p:clrMapOvr>
-    <a:masterClrMapping/>
-  </p:clrMapOvr>
-</p:sld>
-</file>
-
-<file path=ppt/slides/slide18.xml><?xml version="1.0" encoding="utf-8"?>
 <p:sld xmlns:a="http://schemas.openxmlformats.org/drawingml/2006/main" xmlns:r="http://schemas.openxmlformats.org/officeDocument/2006/relationships" xmlns:p="http://schemas.openxmlformats.org/presentationml/2006/main">
   <p:cSld>
     <p:spTree>
@@ -20090,7 +20828,7 @@
         <p:spPr>
           <a:xfrm>
             <a:off x="7629888" y="1923682"/>
-            <a:ext cx="3583838" cy="1815882"/>
+            <a:ext cx="3583838" cy="1600438"/>
           </a:xfrm>
           <a:prstGeom prst="rect">
             <a:avLst/>
@@ -20122,12 +20860,6 @@
             <a:r>
               <a:rPr lang="en-US" sz="1400" dirty="0"/>
               <a:t>Dog with weight 45 kg</a:t>
-            </a:r>
-          </a:p>
-          <a:p>
-            <a:r>
-              <a:rPr lang="en-US" sz="1400" dirty="0"/>
-              <a:t>But what if had a dog with weight 18 kg?</a:t>
             </a:r>
           </a:p>
           <a:p>
@@ -22928,8 +23660,8 @@
           </a:p>
         </p:txBody>
       </p:sp>
-      <mc:AlternateContent xmlns:mc="http://schemas.openxmlformats.org/markup-compatibility/2006">
-        <mc:Choice xmlns:a14="http://schemas.microsoft.com/office/drawing/2010/main" Requires="a14">
+      <mc:AlternateContent xmlns:mc="http://schemas.openxmlformats.org/markup-compatibility/2006" xmlns:a14="http://schemas.microsoft.com/office/drawing/2010/main">
+        <mc:Choice Requires="a14">
           <p:sp>
             <p:nvSpPr>
               <p:cNvPr id="4" name="TextBox 3">
@@ -23164,13 +23896,7 @@
                               <a:rPr lang="en-IN" sz="1400" i="1" dirty="0">
                                 <a:latin typeface="Cambria Math" panose="02040503050406030204" pitchFamily="18" charset="0"/>
                               </a:rPr>
-                              <m:t>1</m:t>
-                            </m:r>
-                            <m:r>
-                              <a:rPr lang="en-IN" sz="1400" i="1" dirty="0">
-                                <a:latin typeface="Cambria Math" panose="02040503050406030204" pitchFamily="18" charset="0"/>
-                              </a:rPr>
-                              <m:t> −0</m:t>
+                              <m:t>1 −0</m:t>
                             </m:r>
                             <m:r>
                               <a:rPr lang="en-IN" sz="1400" b="0" i="1" dirty="0" smtClean="0">
@@ -23201,13 +23927,7 @@
                               <a:rPr lang="en-IN" sz="1400" i="1" dirty="0">
                                 <a:latin typeface="Cambria Math" panose="02040503050406030204" pitchFamily="18" charset="0"/>
                               </a:rPr>
-                              <m:t>1</m:t>
-                            </m:r>
-                            <m:r>
-                              <a:rPr lang="en-IN" sz="1400" i="1" dirty="0">
-                                <a:latin typeface="Cambria Math" panose="02040503050406030204" pitchFamily="18" charset="0"/>
-                              </a:rPr>
-                              <m:t> −0</m:t>
+                              <m:t>1 −0</m:t>
                             </m:r>
                             <m:r>
                               <a:rPr lang="en-IN" sz="1400" b="0" i="1" dirty="0" smtClean="0">
@@ -23238,7 +23958,7 @@
             </p:txBody>
           </p:sp>
         </mc:Choice>
-        <mc:Fallback>
+        <mc:Fallback xmlns="">
           <p:sp>
             <p:nvSpPr>
               <p:cNvPr id="4" name="TextBox 3">
@@ -24568,8 +25288,8 @@
           </a:prstGeom>
         </p:spPr>
       </p:pic>
-      <mc:AlternateContent xmlns:mc="http://schemas.openxmlformats.org/markup-compatibility/2006">
-        <mc:Choice xmlns:a14="http://schemas.microsoft.com/office/drawing/2010/main" Requires="a14">
+      <mc:AlternateContent xmlns:mc="http://schemas.openxmlformats.org/markup-compatibility/2006" xmlns:a14="http://schemas.microsoft.com/office/drawing/2010/main">
+        <mc:Choice Requires="a14">
           <p:sp>
             <p:nvSpPr>
               <p:cNvPr id="26" name="TextBox 25">
@@ -24748,13 +25468,7 @@
                               <a:rPr lang="en-IN" sz="1400" i="1" dirty="0">
                                 <a:latin typeface="Cambria Math" panose="02040503050406030204" pitchFamily="18" charset="0"/>
                               </a:rPr>
-                              <m:t>1</m:t>
-                            </m:r>
-                            <m:r>
-                              <a:rPr lang="en-IN" sz="1400" i="1" dirty="0">
-                                <a:latin typeface="Cambria Math" panose="02040503050406030204" pitchFamily="18" charset="0"/>
-                              </a:rPr>
-                              <m:t> −0</m:t>
+                              <m:t>1 −0</m:t>
                             </m:r>
                           </m:e>
                         </m:d>
@@ -24779,13 +25493,7 @@
                               <a:rPr lang="en-IN" sz="1400" i="1" dirty="0">
                                 <a:latin typeface="Cambria Math" panose="02040503050406030204" pitchFamily="18" charset="0"/>
                               </a:rPr>
-                              <m:t>1</m:t>
-                            </m:r>
-                            <m:r>
-                              <a:rPr lang="en-IN" sz="1400" i="1" dirty="0">
-                                <a:latin typeface="Cambria Math" panose="02040503050406030204" pitchFamily="18" charset="0"/>
-                              </a:rPr>
-                              <m:t> −0</m:t>
+                              <m:t>1 −0</m:t>
                             </m:r>
                           </m:e>
                         </m:d>
@@ -24874,13 +25582,7 @@
                               <a:rPr lang="en-IN" sz="1400" i="1" dirty="0">
                                 <a:latin typeface="Cambria Math" panose="02040503050406030204" pitchFamily="18" charset="0"/>
                               </a:rPr>
-                              <m:t>1 −0</m:t>
-                            </m:r>
-                            <m:r>
-                              <a:rPr lang="en-IN" sz="1400" i="1" dirty="0">
-                                <a:latin typeface="Cambria Math" panose="02040503050406030204" pitchFamily="18" charset="0"/>
-                              </a:rPr>
-                              <m:t>.067</m:t>
+                              <m:t>1 −0.067</m:t>
                             </m:r>
                           </m:e>
                         </m:d>
@@ -24905,13 +25607,7 @@
                               <a:rPr lang="en-IN" sz="1400" i="1" dirty="0">
                                 <a:latin typeface="Cambria Math" panose="02040503050406030204" pitchFamily="18" charset="0"/>
                               </a:rPr>
-                              <m:t>1 −0</m:t>
-                            </m:r>
-                            <m:r>
-                              <a:rPr lang="en-IN" sz="1400" i="1" dirty="0">
-                                <a:latin typeface="Cambria Math" panose="02040503050406030204" pitchFamily="18" charset="0"/>
-                              </a:rPr>
-                              <m:t>.04</m:t>
+                              <m:t>1 −0.04</m:t>
                             </m:r>
                           </m:e>
                         </m:d>
@@ -24985,7 +25681,7 @@
             </p:txBody>
           </p:sp>
         </mc:Choice>
-        <mc:Fallback>
+        <mc:Fallback xmlns="">
           <p:sp>
             <p:nvSpPr>
               <p:cNvPr id="26" name="TextBox 25">
@@ -26913,8 +27609,8 @@
           </a:p>
         </p:txBody>
       </p:sp>
-      <mc:AlternateContent xmlns:mc="http://schemas.openxmlformats.org/markup-compatibility/2006">
-        <mc:Choice xmlns:a14="http://schemas.microsoft.com/office/drawing/2010/main" Requires="a14">
+      <mc:AlternateContent xmlns:mc="http://schemas.openxmlformats.org/markup-compatibility/2006" xmlns:a14="http://schemas.microsoft.com/office/drawing/2010/main">
+        <mc:Choice Requires="a14">
           <p:sp>
             <p:nvSpPr>
               <p:cNvPr id="5" name="TextBox 4">
@@ -27729,7 +28425,7 @@
             </p:txBody>
           </p:sp>
         </mc:Choice>
-        <mc:Fallback>
+        <mc:Fallback xmlns="">
           <p:sp>
             <p:nvSpPr>
               <p:cNvPr id="5" name="TextBox 4">
@@ -27815,8 +28511,8 @@
           </a:p>
         </p:txBody>
       </p:sp>
-      <mc:AlternateContent xmlns:mc="http://schemas.openxmlformats.org/markup-compatibility/2006">
-        <mc:Choice xmlns:a14="http://schemas.microsoft.com/office/drawing/2010/main" Requires="a14">
+      <mc:AlternateContent xmlns:mc="http://schemas.openxmlformats.org/markup-compatibility/2006" xmlns:a14="http://schemas.microsoft.com/office/drawing/2010/main">
+        <mc:Choice Requires="a14">
           <p:sp>
             <p:nvSpPr>
               <p:cNvPr id="9" name="TextBox 8">
@@ -27869,7 +28565,7 @@
                       <m:radPr>
                         <m:degHide m:val="on"/>
                         <m:ctrlPr>
-                          <a:rPr lang="en-US" sz="1400" dirty="0" smtClean="0">
+                          <a:rPr lang="en-US" sz="1400" i="1" dirty="0" smtClean="0">
                             <a:latin typeface="Cambria Math" panose="02040503050406030204" pitchFamily="18" charset="0"/>
                           </a:rPr>
                         </m:ctrlPr>
@@ -27879,7 +28575,7 @@
                         <m:sSup>
                           <m:sSupPr>
                             <m:ctrlPr>
-                              <a:rPr lang="en-US" sz="1400" dirty="0" smtClean="0">
+                              <a:rPr lang="en-US" sz="1400" i="1" dirty="0" smtClean="0">
                                 <a:latin typeface="Cambria Math" panose="02040503050406030204" pitchFamily="18" charset="0"/>
                               </a:rPr>
                             </m:ctrlPr>
@@ -27888,7 +28584,7 @@
                             <m:d>
                               <m:dPr>
                                 <m:ctrlPr>
-                                  <a:rPr lang="en-US" sz="1400" dirty="0" smtClean="0">
+                                  <a:rPr lang="en-US" sz="1400" i="1" dirty="0" smtClean="0">
                                     <a:latin typeface="Cambria Math" panose="02040503050406030204" pitchFamily="18" charset="0"/>
                                   </a:rPr>
                                 </m:ctrlPr>
@@ -28236,7 +28932,7 @@
             </p:txBody>
           </p:sp>
         </mc:Choice>
-        <mc:Fallback>
+        <mc:Fallback xmlns="">
           <p:sp>
             <p:nvSpPr>
               <p:cNvPr id="9" name="TextBox 8">
@@ -30849,8 +31545,8 @@
           </a:graphicData>
         </a:graphic>
       </p:graphicFrame>
-      <mc:AlternateContent xmlns:mc="http://schemas.openxmlformats.org/markup-compatibility/2006">
-        <mc:Choice xmlns:a14="http://schemas.microsoft.com/office/drawing/2010/main" Requires="a14">
+      <mc:AlternateContent xmlns:mc="http://schemas.openxmlformats.org/markup-compatibility/2006" xmlns:a14="http://schemas.microsoft.com/office/drawing/2010/main">
+        <mc:Choice Requires="a14">
           <p:sp>
             <p:nvSpPr>
               <p:cNvPr id="9" name="TextBox 8">
@@ -31204,7 +31900,7 @@
             </p:txBody>
           </p:sp>
         </mc:Choice>
-        <mc:Fallback>
+        <mc:Fallback xmlns="">
           <p:sp>
             <p:nvSpPr>
               <p:cNvPr id="9" name="TextBox 8">
@@ -31383,8 +32079,8 @@
           </a:prstGeom>
         </p:spPr>
       </p:pic>
-      <mc:AlternateContent xmlns:mc="http://schemas.openxmlformats.org/markup-compatibility/2006">
-        <mc:Choice xmlns:a14="http://schemas.microsoft.com/office/drawing/2010/main" Requires="a14">
+      <mc:AlternateContent xmlns:mc="http://schemas.openxmlformats.org/markup-compatibility/2006" xmlns:a14="http://schemas.microsoft.com/office/drawing/2010/main">
+        <mc:Choice Requires="a14">
           <p:sp>
             <p:nvSpPr>
               <p:cNvPr id="20" name="TextBox 19">
@@ -31652,7 +32348,7 @@
               <a:p>
                 <a:r>
                   <a:rPr lang="en-US" sz="1400" dirty="0"/>
-                  <a:t>Sim (A, B) = </a:t>
+                  <a:t>Sim (B, C) = </a:t>
                 </a:r>
                 <a14:m>
                   <m:oMath xmlns:m="http://schemas.openxmlformats.org/officeDocument/2006/math">
@@ -31720,7 +32416,7 @@
             </p:txBody>
           </p:sp>
         </mc:Choice>
-        <mc:Fallback>
+        <mc:Fallback xmlns="">
           <p:sp>
             <p:nvSpPr>
               <p:cNvPr id="20" name="TextBox 19">
